--- a/vrp11.pptx
+++ b/vrp11.pptx
@@ -104,7 +104,16 @@
       </a:defRPr>
     </a:lvl9pPr>
   </p:defaultTextStyle>
+  <p:extLst>
+    <p:ext uri="{EFAFB233-063F-42B5-8137-9DF3F51BA10A}">
+      <p15:sldGuideLst xmlns:p15="http://schemas.microsoft.com/office/powerpoint/2012/main"/>
+    </p:ext>
+  </p:extLst>
 </p:presentation>
+</file>
+
+<file path=ppt/revisionInfo.xml><?xml version="1.0" encoding="utf-8"?>
+<p1510:revInfo xmlns:a="http://schemas.openxmlformats.org/drawingml/2006/main" xmlns:r="http://schemas.openxmlformats.org/officeDocument/2006/relationships" xmlns:p1510="http://schemas.microsoft.com/office/powerpoint/2015/10/main"/>
 </file>
 
 <file path=ppt/charts/chart1.xml><?xml version="1.0" encoding="utf-8"?>
@@ -1634,7 +1643,7 @@
           <a:p>
             <a:fld id="{FDBE4828-67B1-44CE-8538-94890DE094C7}" type="datetimeFigureOut">
               <a:rPr lang="de-DE" smtClean="0"/>
-              <a:t>18.01.2018</a:t>
+              <a:t>23.01.2018</a:t>
             </a:fld>
             <a:endParaRPr lang="de-DE"/>
           </a:p>
@@ -1832,7 +1841,7 @@
           <a:p>
             <a:fld id="{FDBE4828-67B1-44CE-8538-94890DE094C7}" type="datetimeFigureOut">
               <a:rPr lang="de-DE" smtClean="0"/>
-              <a:t>18.01.2018</a:t>
+              <a:t>23.01.2018</a:t>
             </a:fld>
             <a:endParaRPr lang="de-DE"/>
           </a:p>
@@ -2040,7 +2049,7 @@
           <a:p>
             <a:fld id="{FDBE4828-67B1-44CE-8538-94890DE094C7}" type="datetimeFigureOut">
               <a:rPr lang="de-DE" smtClean="0"/>
-              <a:t>18.01.2018</a:t>
+              <a:t>23.01.2018</a:t>
             </a:fld>
             <a:endParaRPr lang="de-DE"/>
           </a:p>
@@ -2238,7 +2247,7 @@
           <a:p>
             <a:fld id="{FDBE4828-67B1-44CE-8538-94890DE094C7}" type="datetimeFigureOut">
               <a:rPr lang="de-DE" smtClean="0"/>
-              <a:t>18.01.2018</a:t>
+              <a:t>23.01.2018</a:t>
             </a:fld>
             <a:endParaRPr lang="de-DE"/>
           </a:p>
@@ -2513,7 +2522,7 @@
           <a:p>
             <a:fld id="{FDBE4828-67B1-44CE-8538-94890DE094C7}" type="datetimeFigureOut">
               <a:rPr lang="de-DE" smtClean="0"/>
-              <a:t>18.01.2018</a:t>
+              <a:t>23.01.2018</a:t>
             </a:fld>
             <a:endParaRPr lang="de-DE"/>
           </a:p>
@@ -2778,7 +2787,7 @@
           <a:p>
             <a:fld id="{FDBE4828-67B1-44CE-8538-94890DE094C7}" type="datetimeFigureOut">
               <a:rPr lang="de-DE" smtClean="0"/>
-              <a:t>18.01.2018</a:t>
+              <a:t>23.01.2018</a:t>
             </a:fld>
             <a:endParaRPr lang="de-DE"/>
           </a:p>
@@ -3190,7 +3199,7 @@
           <a:p>
             <a:fld id="{FDBE4828-67B1-44CE-8538-94890DE094C7}" type="datetimeFigureOut">
               <a:rPr lang="de-DE" smtClean="0"/>
-              <a:t>18.01.2018</a:t>
+              <a:t>23.01.2018</a:t>
             </a:fld>
             <a:endParaRPr lang="de-DE"/>
           </a:p>
@@ -3331,7 +3340,7 @@
           <a:p>
             <a:fld id="{FDBE4828-67B1-44CE-8538-94890DE094C7}" type="datetimeFigureOut">
               <a:rPr lang="de-DE" smtClean="0"/>
-              <a:t>18.01.2018</a:t>
+              <a:t>23.01.2018</a:t>
             </a:fld>
             <a:endParaRPr lang="de-DE"/>
           </a:p>
@@ -3444,7 +3453,7 @@
           <a:p>
             <a:fld id="{FDBE4828-67B1-44CE-8538-94890DE094C7}" type="datetimeFigureOut">
               <a:rPr lang="de-DE" smtClean="0"/>
-              <a:t>18.01.2018</a:t>
+              <a:t>23.01.2018</a:t>
             </a:fld>
             <a:endParaRPr lang="de-DE"/>
           </a:p>
@@ -3755,7 +3764,7 @@
           <a:p>
             <a:fld id="{FDBE4828-67B1-44CE-8538-94890DE094C7}" type="datetimeFigureOut">
               <a:rPr lang="de-DE" smtClean="0"/>
-              <a:t>18.01.2018</a:t>
+              <a:t>23.01.2018</a:t>
             </a:fld>
             <a:endParaRPr lang="de-DE"/>
           </a:p>
@@ -4043,7 +4052,7 @@
           <a:p>
             <a:fld id="{FDBE4828-67B1-44CE-8538-94890DE094C7}" type="datetimeFigureOut">
               <a:rPr lang="de-DE" smtClean="0"/>
-              <a:t>18.01.2018</a:t>
+              <a:t>23.01.2018</a:t>
             </a:fld>
             <a:endParaRPr lang="de-DE"/>
           </a:p>
@@ -4284,7 +4293,7 @@
           <a:p>
             <a:fld id="{FDBE4828-67B1-44CE-8538-94890DE094C7}" type="datetimeFigureOut">
               <a:rPr lang="de-DE" smtClean="0"/>
-              <a:t>18.01.2018</a:t>
+              <a:t>23.01.2018</a:t>
             </a:fld>
             <a:endParaRPr lang="de-DE"/>
           </a:p>
@@ -4781,6 +4790,117 @@
           </a:graphicData>
         </a:graphic>
       </p:graphicFrame>
+      <p:sp>
+        <p:nvSpPr>
+          <p:cNvPr id="5" name="Textfeld 4">
+            <a:extLst>
+              <a:ext uri="{FF2B5EF4-FFF2-40B4-BE49-F238E27FC236}">
+                <a16:creationId xmlns:a16="http://schemas.microsoft.com/office/drawing/2014/main" id="{EB59E166-8982-400F-BE3C-D97B1EB8B3A2}"/>
+              </a:ext>
+            </a:extLst>
+          </p:cNvPr>
+          <p:cNvSpPr txBox="1"/>
+          <p:nvPr/>
+        </p:nvSpPr>
+        <p:spPr>
+          <a:xfrm>
+            <a:off x="1864426" y="878774"/>
+            <a:ext cx="473206" cy="369332"/>
+          </a:xfrm>
+          <a:prstGeom prst="rect">
+            <a:avLst/>
+          </a:prstGeom>
+          <a:noFill/>
+        </p:spPr>
+        <p:txBody>
+          <a:bodyPr wrap="none" rtlCol="0">
+            <a:spAutoFit/>
+          </a:bodyPr>
+          <a:lstStyle/>
+          <a:p>
+            <a:r>
+              <a:rPr lang="de-DE" dirty="0"/>
+              <a:t>km</a:t>
+            </a:r>
+          </a:p>
+        </p:txBody>
+      </p:sp>
+      <p:cxnSp>
+        <p:nvCxnSpPr>
+          <p:cNvPr id="6" name="Gerade Verbindung 10">
+            <a:extLst>
+              <a:ext uri="{FF2B5EF4-FFF2-40B4-BE49-F238E27FC236}">
+                <a16:creationId xmlns:a16="http://schemas.microsoft.com/office/drawing/2014/main" id="{56DAB6D9-0935-48CE-9991-D34EF331BEA2}"/>
+              </a:ext>
+            </a:extLst>
+          </p:cNvPr>
+          <p:cNvCxnSpPr/>
+          <p:nvPr/>
+        </p:nvCxnSpPr>
+        <p:spPr>
+          <a:xfrm flipV="1">
+            <a:off x="7432050" y="3603346"/>
+            <a:ext cx="0" cy="144000"/>
+          </a:xfrm>
+          <a:prstGeom prst="line">
+            <a:avLst/>
+          </a:prstGeom>
+          <a:ln w="38100">
+            <a:solidFill>
+              <a:srgbClr val="C00000"/>
+            </a:solidFill>
+          </a:ln>
+        </p:spPr>
+        <p:style>
+          <a:lnRef idx="1">
+            <a:schemeClr val="accent1"/>
+          </a:lnRef>
+          <a:fillRef idx="0">
+            <a:schemeClr val="accent1"/>
+          </a:fillRef>
+          <a:effectRef idx="0">
+            <a:schemeClr val="accent1"/>
+          </a:effectRef>
+          <a:fontRef idx="minor">
+            <a:schemeClr val="tx1"/>
+          </a:fontRef>
+        </p:style>
+      </p:cxnSp>
+      <p:sp>
+        <p:nvSpPr>
+          <p:cNvPr id="7" name="Textfeld 6">
+            <a:extLst>
+              <a:ext uri="{FF2B5EF4-FFF2-40B4-BE49-F238E27FC236}">
+                <a16:creationId xmlns:a16="http://schemas.microsoft.com/office/drawing/2014/main" id="{EEC5D5D0-883D-454E-BDEB-4943F76EFCDC}"/>
+              </a:ext>
+            </a:extLst>
+          </p:cNvPr>
+          <p:cNvSpPr txBox="1"/>
+          <p:nvPr/>
+        </p:nvSpPr>
+        <p:spPr>
+          <a:xfrm>
+            <a:off x="9359419" y="6249049"/>
+            <a:ext cx="473206" cy="369332"/>
+          </a:xfrm>
+          <a:prstGeom prst="rect">
+            <a:avLst/>
+          </a:prstGeom>
+          <a:noFill/>
+        </p:spPr>
+        <p:txBody>
+          <a:bodyPr wrap="none" rtlCol="0">
+            <a:spAutoFit/>
+          </a:bodyPr>
+          <a:lstStyle/>
+          <a:p>
+            <a:r>
+              <a:rPr lang="de-DE" dirty="0"/>
+              <a:t>km</a:t>
+            </a:r>
+          </a:p>
+        </p:txBody>
+      </p:sp>
     </p:spTree>
     <p:extLst>
       <p:ext uri="{BB962C8B-B14F-4D97-AF65-F5344CB8AC3E}">
